--- a/Slides.pptx
+++ b/Slides.pptx
@@ -109,6 +109,11 @@
       </a:defRPr>
     </a:lvl9pPr>
   </p:defaultTextStyle>
+  <p:extLst>
+    <p:ext uri="{EFAFB233-063F-42B5-8137-9DF3F51BA10A}">
+      <p15:sldGuideLst xmlns:p15="http://schemas.microsoft.com/office/powerpoint/2012/main"/>
+    </p:ext>
+  </p:extLst>
 </p:presentation>
 </file>
 
@@ -267,7 +272,7 @@
           <a:p>
             <a:fld id="{C9C8B5A6-A39D-4C21-9C44-3405096429E6}" type="datetimeFigureOut">
               <a:rPr lang="en-US" smtClean="0"/>
-              <a:t>1/24/2023</a:t>
+              <a:t>1/25/2023</a:t>
             </a:fld>
             <a:endParaRPr lang="en-US"/>
           </a:p>
@@ -465,7 +470,7 @@
           <a:p>
             <a:fld id="{C9C8B5A6-A39D-4C21-9C44-3405096429E6}" type="datetimeFigureOut">
               <a:rPr lang="en-US" smtClean="0"/>
-              <a:t>1/24/2023</a:t>
+              <a:t>1/25/2023</a:t>
             </a:fld>
             <a:endParaRPr lang="en-US"/>
           </a:p>
@@ -673,7 +678,7 @@
           <a:p>
             <a:fld id="{C9C8B5A6-A39D-4C21-9C44-3405096429E6}" type="datetimeFigureOut">
               <a:rPr lang="en-US" smtClean="0"/>
-              <a:t>1/24/2023</a:t>
+              <a:t>1/25/2023</a:t>
             </a:fld>
             <a:endParaRPr lang="en-US"/>
           </a:p>
@@ -871,7 +876,7 @@
           <a:p>
             <a:fld id="{C9C8B5A6-A39D-4C21-9C44-3405096429E6}" type="datetimeFigureOut">
               <a:rPr lang="en-US" smtClean="0"/>
-              <a:t>1/24/2023</a:t>
+              <a:t>1/25/2023</a:t>
             </a:fld>
             <a:endParaRPr lang="en-US"/>
           </a:p>
@@ -1146,7 +1151,7 @@
           <a:p>
             <a:fld id="{C9C8B5A6-A39D-4C21-9C44-3405096429E6}" type="datetimeFigureOut">
               <a:rPr lang="en-US" smtClean="0"/>
-              <a:t>1/24/2023</a:t>
+              <a:t>1/25/2023</a:t>
             </a:fld>
             <a:endParaRPr lang="en-US"/>
           </a:p>
@@ -1411,7 +1416,7 @@
           <a:p>
             <a:fld id="{C9C8B5A6-A39D-4C21-9C44-3405096429E6}" type="datetimeFigureOut">
               <a:rPr lang="en-US" smtClean="0"/>
-              <a:t>1/24/2023</a:t>
+              <a:t>1/25/2023</a:t>
             </a:fld>
             <a:endParaRPr lang="en-US"/>
           </a:p>
@@ -1823,7 +1828,7 @@
           <a:p>
             <a:fld id="{C9C8B5A6-A39D-4C21-9C44-3405096429E6}" type="datetimeFigureOut">
               <a:rPr lang="en-US" smtClean="0"/>
-              <a:t>1/24/2023</a:t>
+              <a:t>1/25/2023</a:t>
             </a:fld>
             <a:endParaRPr lang="en-US"/>
           </a:p>
@@ -1964,7 +1969,7 @@
           <a:p>
             <a:fld id="{C9C8B5A6-A39D-4C21-9C44-3405096429E6}" type="datetimeFigureOut">
               <a:rPr lang="en-US" smtClean="0"/>
-              <a:t>1/24/2023</a:t>
+              <a:t>1/25/2023</a:t>
             </a:fld>
             <a:endParaRPr lang="en-US"/>
           </a:p>
@@ -2077,7 +2082,7 @@
           <a:p>
             <a:fld id="{C9C8B5A6-A39D-4C21-9C44-3405096429E6}" type="datetimeFigureOut">
               <a:rPr lang="en-US" smtClean="0"/>
-              <a:t>1/24/2023</a:t>
+              <a:t>1/25/2023</a:t>
             </a:fld>
             <a:endParaRPr lang="en-US"/>
           </a:p>
@@ -2388,7 +2393,7 @@
           <a:p>
             <a:fld id="{C9C8B5A6-A39D-4C21-9C44-3405096429E6}" type="datetimeFigureOut">
               <a:rPr lang="en-US" smtClean="0"/>
-              <a:t>1/24/2023</a:t>
+              <a:t>1/25/2023</a:t>
             </a:fld>
             <a:endParaRPr lang="en-US"/>
           </a:p>
@@ -2676,7 +2681,7 @@
           <a:p>
             <a:fld id="{C9C8B5A6-A39D-4C21-9C44-3405096429E6}" type="datetimeFigureOut">
               <a:rPr lang="en-US" smtClean="0"/>
-              <a:t>1/24/2023</a:t>
+              <a:t>1/25/2023</a:t>
             </a:fld>
             <a:endParaRPr lang="en-US"/>
           </a:p>
@@ -2917,7 +2922,7 @@
           <a:p>
             <a:fld id="{C9C8B5A6-A39D-4C21-9C44-3405096429E6}" type="datetimeFigureOut">
               <a:rPr lang="en-US" smtClean="0"/>
-              <a:t>1/24/2023</a:t>
+              <a:t>1/25/2023</a:t>
             </a:fld>
             <a:endParaRPr lang="en-US"/>
           </a:p>
@@ -3954,6 +3959,17 @@
               <a:rPr lang="en-US" dirty="0"/>
               <a:t>Application Insights – application monitoring</a:t>
             </a:r>
+            <a:endParaRPr lang="pl-PL" dirty="0"/>
+          </a:p>
+          <a:p>
+            <a:pPr marL="0" indent="0">
+              <a:buNone/>
+            </a:pPr>
+            <a:r>
+              <a:rPr lang="pl-PL" dirty="0"/>
+              <a:t>Storage Account – Qeue – application decoupling, event collection and managemt.</a:t>
+            </a:r>
+            <a:endParaRPr lang="en-US" dirty="0"/>
           </a:p>
           <a:p>
             <a:pPr marL="0" indent="0">
@@ -4798,6 +4814,23 @@
 </file>
 
 <file path=customXml/item1.xml><?xml version="1.0" encoding="utf-8"?>
+<p:properties xmlns:p="http://schemas.microsoft.com/office/2006/metadata/properties" xmlns:xsi="http://www.w3.org/2001/XMLSchema-instance" xmlns:pc="http://schemas.microsoft.com/office/infopath/2007/PartnerControls">
+  <documentManagement>
+    <_activity xmlns="1d2fbc91-3d1a-4361-a754-ead1433d0629" xsi:nil="true"/>
+  </documentManagement>
+</p:properties>
+</file>
+
+<file path=customXml/item2.xml><?xml version="1.0" encoding="utf-8"?>
+<?mso-contentType ?>
+<FormTemplates xmlns="http://schemas.microsoft.com/sharepoint/v3/contenttype/forms">
+  <Display>DocumentLibraryForm</Display>
+  <Edit>DocumentLibraryForm</Edit>
+  <New>DocumentLibraryForm</New>
+</FormTemplates>
+</file>
+
+<file path=customXml/item3.xml><?xml version="1.0" encoding="utf-8"?>
 <ct:contentTypeSchema xmlns:ct="http://schemas.microsoft.com/office/2006/metadata/contentType" xmlns:ma="http://schemas.microsoft.com/office/2006/metadata/properties/metaAttributes" ct:_="" ma:_="" ma:contentTypeName="Document" ma:contentTypeID="0x010100ECBC74565EFCFE49B1829665A92298E5" ma:contentTypeVersion="12" ma:contentTypeDescription="Create a new document." ma:contentTypeScope="" ma:versionID="d9caa9533e16be4e94ea6e34d874c5c4">
   <xsd:schema xmlns:xsd="http://www.w3.org/2001/XMLSchema" xmlns:xs="http://www.w3.org/2001/XMLSchema" xmlns:p="http://schemas.microsoft.com/office/2006/metadata/properties" xmlns:ns3="4769ab93-6b84-4796-8ed4-d32086f513eb" xmlns:ns4="1d2fbc91-3d1a-4361-a754-ead1433d0629" targetNamespace="http://schemas.microsoft.com/office/2006/metadata/properties" ma:root="true" ma:fieldsID="90ebb6fb5aae8d2362271ba333d48c8b" ns3:_="" ns4:_="">
     <xsd:import namespace="4769ab93-6b84-4796-8ed4-d32086f513eb"/>
@@ -5012,24 +5045,32 @@
 </ct:contentTypeSchema>
 </file>
 
-<file path=customXml/item2.xml><?xml version="1.0" encoding="utf-8"?>
-<?mso-contentType ?>
-<FormTemplates xmlns="http://schemas.microsoft.com/sharepoint/v3/contenttype/forms">
-  <Display>DocumentLibraryForm</Display>
-  <Edit>DocumentLibraryForm</Edit>
-  <New>DocumentLibraryForm</New>
-</FormTemplates>
+<file path=customXml/itemProps1.xml><?xml version="1.0" encoding="utf-8"?>
+<ds:datastoreItem xmlns:ds="http://schemas.openxmlformats.org/officeDocument/2006/customXml" ds:itemID="{B8D35593-4429-4943-901C-FBA0C21C626B}">
+  <ds:schemaRefs>
+    <ds:schemaRef ds:uri="http://www.w3.org/XML/1998/namespace"/>
+    <ds:schemaRef ds:uri="1d2fbc91-3d1a-4361-a754-ead1433d0629"/>
+    <ds:schemaRef ds:uri="http://purl.org/dc/terms/"/>
+    <ds:schemaRef ds:uri="http://schemas.microsoft.com/office/2006/documentManagement/types"/>
+    <ds:schemaRef ds:uri="http://purl.org/dc/elements/1.1/"/>
+    <ds:schemaRef ds:uri="4769ab93-6b84-4796-8ed4-d32086f513eb"/>
+    <ds:schemaRef ds:uri="http://purl.org/dc/dcmitype/"/>
+    <ds:schemaRef ds:uri="http://schemas.microsoft.com/office/infopath/2007/PartnerControls"/>
+    <ds:schemaRef ds:uri="http://schemas.openxmlformats.org/package/2006/metadata/core-properties"/>
+    <ds:schemaRef ds:uri="http://schemas.microsoft.com/office/2006/metadata/properties"/>
+  </ds:schemaRefs>
+</ds:datastoreItem>
 </file>
 
-<file path=customXml/item3.xml><?xml version="1.0" encoding="utf-8"?>
-<p:properties xmlns:p="http://schemas.microsoft.com/office/2006/metadata/properties" xmlns:xsi="http://www.w3.org/2001/XMLSchema-instance" xmlns:pc="http://schemas.microsoft.com/office/infopath/2007/PartnerControls">
-  <documentManagement>
-    <_activity xmlns="1d2fbc91-3d1a-4361-a754-ead1433d0629" xsi:nil="true"/>
-  </documentManagement>
-</p:properties>
+<file path=customXml/itemProps2.xml><?xml version="1.0" encoding="utf-8"?>
+<ds:datastoreItem xmlns:ds="http://schemas.openxmlformats.org/officeDocument/2006/customXml" ds:itemID="{1F44FF86-8B03-4217-8DE9-7996AB60B5B0}">
+  <ds:schemaRefs>
+    <ds:schemaRef ds:uri="http://schemas.microsoft.com/sharepoint/v3/contenttype/forms"/>
+  </ds:schemaRefs>
+</ds:datastoreItem>
 </file>
 
-<file path=customXml/itemProps1.xml><?xml version="1.0" encoding="utf-8"?>
+<file path=customXml/itemProps3.xml><?xml version="1.0" encoding="utf-8"?>
 <ds:datastoreItem xmlns:ds="http://schemas.openxmlformats.org/officeDocument/2006/customXml" ds:itemID="{427945F7-9FAE-4E4B-BD05-E996DBDCEC04}">
   <ds:schemaRefs>
     <ds:schemaRef ds:uri="http://schemas.microsoft.com/office/2006/metadata/contentType"/>
@@ -5046,29 +5087,4 @@
     <ds:schemaRef ds:uri="http://schemas.microsoft.com/internal/obd"/>
   </ds:schemaRefs>
 </ds:datastoreItem>
-</file>
-
-<file path=customXml/itemProps2.xml><?xml version="1.0" encoding="utf-8"?>
-<ds:datastoreItem xmlns:ds="http://schemas.openxmlformats.org/officeDocument/2006/customXml" ds:itemID="{1F44FF86-8B03-4217-8DE9-7996AB60B5B0}">
-  <ds:schemaRefs>
-    <ds:schemaRef ds:uri="http://schemas.microsoft.com/sharepoint/v3/contenttype/forms"/>
-  </ds:schemaRefs>
-</ds:datastoreItem>
-</file>
-
-<file path=customXml/itemProps3.xml><?xml version="1.0" encoding="utf-8"?>
-<ds:datastoreItem xmlns:ds="http://schemas.openxmlformats.org/officeDocument/2006/customXml" ds:itemID="{B8D35593-4429-4943-901C-FBA0C21C626B}">
-  <ds:schemaRefs>
-    <ds:schemaRef ds:uri="http://www.w3.org/XML/1998/namespace"/>
-    <ds:schemaRef ds:uri="1d2fbc91-3d1a-4361-a754-ead1433d0629"/>
-    <ds:schemaRef ds:uri="http://purl.org/dc/terms/"/>
-    <ds:schemaRef ds:uri="http://schemas.microsoft.com/office/2006/documentManagement/types"/>
-    <ds:schemaRef ds:uri="http://purl.org/dc/elements/1.1/"/>
-    <ds:schemaRef ds:uri="4769ab93-6b84-4796-8ed4-d32086f513eb"/>
-    <ds:schemaRef ds:uri="http://purl.org/dc/dcmitype/"/>
-    <ds:schemaRef ds:uri="http://schemas.microsoft.com/office/infopath/2007/PartnerControls"/>
-    <ds:schemaRef ds:uri="http://schemas.openxmlformats.org/package/2006/metadata/core-properties"/>
-    <ds:schemaRef ds:uri="http://schemas.microsoft.com/office/2006/metadata/properties"/>
-  </ds:schemaRefs>
-</ds:datastoreItem>
 </file>